--- a/docs/CV_SV_2022_V2.pptx
+++ b/docs/CV_SV_2022_V2.pptx
@@ -2833,7 +2833,7 @@
           <a:p>
             <a:fld id="{863FE3A7-EC10-4CB9-8B62-C9C4255F3532}" type="datetimeFigureOut">
               <a:rPr lang="es-CO" smtClean="0"/>
-              <a:t>7/11/2022</a:t>
+              <a:t>15/03/2023</a:t>
             </a:fld>
             <a:endParaRPr lang="es-CO"/>
           </a:p>
@@ -3031,7 +3031,7 @@
           <a:p>
             <a:fld id="{863FE3A7-EC10-4CB9-8B62-C9C4255F3532}" type="datetimeFigureOut">
               <a:rPr lang="es-CO" smtClean="0"/>
-              <a:t>7/11/2022</a:t>
+              <a:t>15/03/2023</a:t>
             </a:fld>
             <a:endParaRPr lang="es-CO"/>
           </a:p>
@@ -3239,7 +3239,7 @@
           <a:p>
             <a:fld id="{863FE3A7-EC10-4CB9-8B62-C9C4255F3532}" type="datetimeFigureOut">
               <a:rPr lang="es-CO" smtClean="0"/>
-              <a:t>7/11/2022</a:t>
+              <a:t>15/03/2023</a:t>
             </a:fld>
             <a:endParaRPr lang="es-CO"/>
           </a:p>
@@ -3437,7 +3437,7 @@
           <a:p>
             <a:fld id="{863FE3A7-EC10-4CB9-8B62-C9C4255F3532}" type="datetimeFigureOut">
               <a:rPr lang="es-CO" smtClean="0"/>
-              <a:t>7/11/2022</a:t>
+              <a:t>15/03/2023</a:t>
             </a:fld>
             <a:endParaRPr lang="es-CO"/>
           </a:p>
@@ -3712,7 +3712,7 @@
           <a:p>
             <a:fld id="{863FE3A7-EC10-4CB9-8B62-C9C4255F3532}" type="datetimeFigureOut">
               <a:rPr lang="es-CO" smtClean="0"/>
-              <a:t>7/11/2022</a:t>
+              <a:t>15/03/2023</a:t>
             </a:fld>
             <a:endParaRPr lang="es-CO"/>
           </a:p>
@@ -3977,7 +3977,7 @@
           <a:p>
             <a:fld id="{863FE3A7-EC10-4CB9-8B62-C9C4255F3532}" type="datetimeFigureOut">
               <a:rPr lang="es-CO" smtClean="0"/>
-              <a:t>7/11/2022</a:t>
+              <a:t>15/03/2023</a:t>
             </a:fld>
             <a:endParaRPr lang="es-CO"/>
           </a:p>
@@ -4389,7 +4389,7 @@
           <a:p>
             <a:fld id="{863FE3A7-EC10-4CB9-8B62-C9C4255F3532}" type="datetimeFigureOut">
               <a:rPr lang="es-CO" smtClean="0"/>
-              <a:t>7/11/2022</a:t>
+              <a:t>15/03/2023</a:t>
             </a:fld>
             <a:endParaRPr lang="es-CO"/>
           </a:p>
@@ -4530,7 +4530,7 @@
           <a:p>
             <a:fld id="{863FE3A7-EC10-4CB9-8B62-C9C4255F3532}" type="datetimeFigureOut">
               <a:rPr lang="es-CO" smtClean="0"/>
-              <a:t>7/11/2022</a:t>
+              <a:t>15/03/2023</a:t>
             </a:fld>
             <a:endParaRPr lang="es-CO"/>
           </a:p>
@@ -4643,7 +4643,7 @@
           <a:p>
             <a:fld id="{863FE3A7-EC10-4CB9-8B62-C9C4255F3532}" type="datetimeFigureOut">
               <a:rPr lang="es-CO" smtClean="0"/>
-              <a:t>7/11/2022</a:t>
+              <a:t>15/03/2023</a:t>
             </a:fld>
             <a:endParaRPr lang="es-CO"/>
           </a:p>
@@ -4954,7 +4954,7 @@
           <a:p>
             <a:fld id="{863FE3A7-EC10-4CB9-8B62-C9C4255F3532}" type="datetimeFigureOut">
               <a:rPr lang="es-CO" smtClean="0"/>
-              <a:t>7/11/2022</a:t>
+              <a:t>15/03/2023</a:t>
             </a:fld>
             <a:endParaRPr lang="es-CO"/>
           </a:p>
@@ -5242,7 +5242,7 @@
           <a:p>
             <a:fld id="{863FE3A7-EC10-4CB9-8B62-C9C4255F3532}" type="datetimeFigureOut">
               <a:rPr lang="es-CO" smtClean="0"/>
-              <a:t>7/11/2022</a:t>
+              <a:t>15/03/2023</a:t>
             </a:fld>
             <a:endParaRPr lang="es-CO"/>
           </a:p>
@@ -5483,7 +5483,7 @@
           <a:p>
             <a:fld id="{863FE3A7-EC10-4CB9-8B62-C9C4255F3532}" type="datetimeFigureOut">
               <a:rPr lang="es-CO" smtClean="0"/>
-              <a:t>7/11/2022</a:t>
+              <a:t>15/03/2023</a:t>
             </a:fld>
             <a:endParaRPr lang="es-CO"/>
           </a:p>
@@ -9847,210 +9847,6 @@
       </p:grpSpPr>
       <p:grpSp>
         <p:nvGrpSpPr>
-          <p:cNvPr id="2" name="Group 1">
-            <a:extLst>
-              <a:ext uri="{FF2B5EF4-FFF2-40B4-BE49-F238E27FC236}">
-                <a16:creationId xmlns:a16="http://schemas.microsoft.com/office/drawing/2014/main" id="{2D0CE9BD-0D4B-4A55-AD18-2C495DE29EB4}"/>
-              </a:ext>
-            </a:extLst>
-          </p:cNvPr>
-          <p:cNvGrpSpPr/>
-          <p:nvPr/>
-        </p:nvGrpSpPr>
-        <p:grpSpPr>
-          <a:xfrm>
-            <a:off x="394192" y="6038635"/>
-            <a:ext cx="6069608" cy="2499436"/>
-            <a:chOff x="394192" y="405183"/>
-            <a:chExt cx="6069608" cy="2499436"/>
-          </a:xfrm>
-        </p:grpSpPr>
-        <p:grpSp>
-          <p:nvGrpSpPr>
-            <p:cNvPr id="54" name="Group 53">
-              <a:extLst>
-                <a:ext uri="{FF2B5EF4-FFF2-40B4-BE49-F238E27FC236}">
-                  <a16:creationId xmlns:a16="http://schemas.microsoft.com/office/drawing/2014/main" id="{58FC42A1-380D-49BC-BDE1-90E79260FF42}"/>
-                </a:ext>
-              </a:extLst>
-            </p:cNvPr>
-            <p:cNvGrpSpPr/>
-            <p:nvPr/>
-          </p:nvGrpSpPr>
-          <p:grpSpPr>
-            <a:xfrm>
-              <a:off x="394192" y="405183"/>
-              <a:ext cx="6069608" cy="1372028"/>
-              <a:chOff x="2408697" y="1820117"/>
-              <a:chExt cx="3685986" cy="1372028"/>
-            </a:xfrm>
-          </p:grpSpPr>
-          <p:sp>
-            <p:nvSpPr>
-              <p:cNvPr id="55" name="CuadroTexto 6">
-                <a:extLst>
-                  <a:ext uri="{FF2B5EF4-FFF2-40B4-BE49-F238E27FC236}">
-                    <a16:creationId xmlns:a16="http://schemas.microsoft.com/office/drawing/2014/main" id="{27BE67BC-A1F7-436F-A79C-38F145FA1320}"/>
-                  </a:ext>
-                </a:extLst>
-              </p:cNvPr>
-              <p:cNvSpPr txBox="1"/>
-              <p:nvPr/>
-            </p:nvSpPr>
-            <p:spPr>
-              <a:xfrm>
-                <a:off x="2408697" y="2176482"/>
-                <a:ext cx="3685986" cy="1015663"/>
-              </a:xfrm>
-              <a:prstGeom prst="rect">
-                <a:avLst/>
-              </a:prstGeom>
-              <a:noFill/>
-            </p:spPr>
-            <p:txBody>
-              <a:bodyPr wrap="square" rtlCol="0">
-                <a:spAutoFit/>
-              </a:bodyPr>
-              <a:lstStyle/>
-              <a:p>
-                <a:pPr algn="just"/>
-                <a:r>
-                  <a:rPr lang="en-US" sz="1200" b="1" dirty="0">
-                    <a:latin typeface="Candara" panose="020E0502030303020204" pitchFamily="34" charset="0"/>
-                  </a:rPr>
-                  <a:t>Hydraulic Engineer</a:t>
-                </a:r>
-              </a:p>
-              <a:p>
-                <a:pPr algn="just"/>
-                <a:r>
-                  <a:rPr lang="en-US" sz="1200" i="1" dirty="0">
-                    <a:latin typeface="Candara" panose="020E0502030303020204" pitchFamily="34" charset="0"/>
-                  </a:rPr>
-                  <a:t>Assistant of M.Sc. Alejandro Duran. / Bogotá D.C, Colombia / Sept 2016 – Sept 2017  </a:t>
-                </a:r>
-              </a:p>
-              <a:p>
-                <a:pPr algn="just"/>
-                <a:r>
-                  <a:rPr lang="en-US" sz="1200" dirty="0">
-                    <a:latin typeface="Candara" panose="020E0502030303020204" pitchFamily="34" charset="0"/>
-                  </a:rPr>
-                  <a:t>Functions: perform and report hydrologic and hydraulic studies to more than 100 small lakes and wetlands in Cundinamarca, Colombia. Highway hydraulic design of two road sectors in Cundinamarca, Colombia.</a:t>
-                </a:r>
-              </a:p>
-            </p:txBody>
-          </p:sp>
-          <p:sp>
-            <p:nvSpPr>
-              <p:cNvPr id="56" name="CuadroTexto 51">
-                <a:extLst>
-                  <a:ext uri="{FF2B5EF4-FFF2-40B4-BE49-F238E27FC236}">
-                    <a16:creationId xmlns:a16="http://schemas.microsoft.com/office/drawing/2014/main" id="{725B355E-67C3-4AC5-8130-2E6A040CA0A6}"/>
-                  </a:ext>
-                </a:extLst>
-              </p:cNvPr>
-              <p:cNvSpPr txBox="1"/>
-              <p:nvPr/>
-            </p:nvSpPr>
-            <p:spPr>
-              <a:xfrm>
-                <a:off x="2549165" y="1820117"/>
-                <a:ext cx="1162341" cy="307777"/>
-              </a:xfrm>
-              <a:prstGeom prst="rect">
-                <a:avLst/>
-              </a:prstGeom>
-              <a:noFill/>
-            </p:spPr>
-            <p:txBody>
-              <a:bodyPr wrap="square" rtlCol="0">
-                <a:spAutoFit/>
-              </a:bodyPr>
-              <a:lstStyle/>
-              <a:p>
-                <a:r>
-                  <a:rPr lang="es-CO" sz="1400" dirty="0">
-                    <a:solidFill>
-                      <a:schemeClr val="tx1">
-                        <a:lumMod val="75000"/>
-                        <a:lumOff val="25000"/>
-                      </a:schemeClr>
-                    </a:solidFill>
-                    <a:effectLst>
-                      <a:outerShdw blurRad="38100" dist="38100" dir="2700000" algn="tl">
-                        <a:srgbClr val="000000">
-                          <a:alpha val="43137"/>
-                        </a:srgbClr>
-                      </a:outerShdw>
-                    </a:effectLst>
-                    <a:latin typeface="Candara" panose="020E0502030303020204" pitchFamily="34" charset="0"/>
-                  </a:rPr>
-                  <a:t>WORK EXPERIENCE</a:t>
-                </a:r>
-              </a:p>
-            </p:txBody>
-          </p:sp>
-        </p:grpSp>
-        <p:sp>
-          <p:nvSpPr>
-            <p:cNvPr id="60" name="CuadroTexto 6">
-              <a:extLst>
-                <a:ext uri="{FF2B5EF4-FFF2-40B4-BE49-F238E27FC236}">
-                  <a16:creationId xmlns:a16="http://schemas.microsoft.com/office/drawing/2014/main" id="{FA3548F5-2314-4EFD-BA7F-C503D59E8EDE}"/>
-                </a:ext>
-              </a:extLst>
-            </p:cNvPr>
-            <p:cNvSpPr txBox="1"/>
-            <p:nvPr/>
-          </p:nvSpPr>
-          <p:spPr>
-            <a:xfrm>
-              <a:off x="394192" y="1888956"/>
-              <a:ext cx="6069608" cy="1015663"/>
-            </a:xfrm>
-            <a:prstGeom prst="rect">
-              <a:avLst/>
-            </a:prstGeom>
-            <a:noFill/>
-          </p:spPr>
-          <p:txBody>
-            <a:bodyPr wrap="square" rtlCol="0">
-              <a:spAutoFit/>
-            </a:bodyPr>
-            <a:lstStyle/>
-            <a:p>
-              <a:pPr algn="just"/>
-              <a:r>
-                <a:rPr lang="en-US" sz="1200" b="1" dirty="0">
-                  <a:latin typeface="Candara" panose="020E0502030303020204" pitchFamily="34" charset="0"/>
-                </a:rPr>
-                <a:t>Project Engineer</a:t>
-              </a:r>
-            </a:p>
-            <a:p>
-              <a:pPr algn="just"/>
-              <a:r>
-                <a:rPr lang="en-US" sz="1200" i="1" dirty="0">
-                  <a:latin typeface="Candara" panose="020E0502030303020204" pitchFamily="34" charset="0"/>
-                </a:rPr>
-                <a:t>INNOVATECH STRATEGIC SOLUTIONS S.A.S – Based in Houston, Texas, USA / Office Bogotá D.C, Colombia / Jan 2016 – Sept 2016  </a:t>
-              </a:r>
-            </a:p>
-            <a:p>
-              <a:pPr algn="just"/>
-              <a:r>
-                <a:rPr lang="en-US" sz="1200" dirty="0">
-                  <a:latin typeface="Candara" panose="020E0502030303020204" pitchFamily="34" charset="0"/>
-                </a:rPr>
-                <a:t>Functions: professional support in the construction, plan monitoring strategy, budget structuring, preparation of reports, progress, and traceability of projects. </a:t>
-              </a:r>
-            </a:p>
-          </p:txBody>
-        </p:sp>
-      </p:grpSp>
-      <p:grpSp>
-        <p:nvGrpSpPr>
           <p:cNvPr id="62" name="Group 61">
             <a:extLst>
               <a:ext uri="{FF2B5EF4-FFF2-40B4-BE49-F238E27FC236}">
@@ -10244,50 +10040,6 @@
       </p:grpSp>
       <p:cxnSp>
         <p:nvCxnSpPr>
-          <p:cNvPr id="21" name="Conector recto 69">
-            <a:extLst>
-              <a:ext uri="{FF2B5EF4-FFF2-40B4-BE49-F238E27FC236}">
-                <a16:creationId xmlns:a16="http://schemas.microsoft.com/office/drawing/2014/main" id="{A5204666-46E7-4613-8C2F-663839B489A2}"/>
-              </a:ext>
-            </a:extLst>
-          </p:cNvPr>
-          <p:cNvCxnSpPr>
-            <a:cxnSpLocks/>
-          </p:cNvCxnSpPr>
-          <p:nvPr/>
-        </p:nvCxnSpPr>
-        <p:spPr>
-          <a:xfrm>
-            <a:off x="243525" y="6019720"/>
-            <a:ext cx="6370950" cy="0"/>
-          </a:xfrm>
-          <a:prstGeom prst="line">
-            <a:avLst/>
-          </a:prstGeom>
-          <a:ln>
-            <a:solidFill>
-              <a:srgbClr val="3F656D"/>
-            </a:solidFill>
-          </a:ln>
-          <a:effectLst/>
-        </p:spPr>
-        <p:style>
-          <a:lnRef idx="1">
-            <a:schemeClr val="accent1"/>
-          </a:lnRef>
-          <a:fillRef idx="0">
-            <a:schemeClr val="accent1"/>
-          </a:fillRef>
-          <a:effectRef idx="0">
-            <a:schemeClr val="accent1"/>
-          </a:effectRef>
-          <a:fontRef idx="minor">
-            <a:schemeClr val="tx1"/>
-          </a:fontRef>
-        </p:style>
-      </p:cxnSp>
-      <p:cxnSp>
-        <p:nvCxnSpPr>
           <p:cNvPr id="17" name="Conector recto 69">
             <a:extLst>
               <a:ext uri="{FF2B5EF4-FFF2-40B4-BE49-F238E27FC236}">
@@ -10344,10 +10096,10 @@
         </p:nvGrpSpPr>
         <p:grpSpPr>
           <a:xfrm>
-            <a:off x="394192" y="4022387"/>
-            <a:ext cx="6069608" cy="2070786"/>
+            <a:off x="394192" y="4051717"/>
+            <a:ext cx="6069608" cy="3245472"/>
             <a:chOff x="2408697" y="1820117"/>
-            <a:chExt cx="3685986" cy="1926025"/>
+            <a:chExt cx="3685986" cy="3018593"/>
           </a:xfrm>
         </p:grpSpPr>
         <p:sp>
@@ -10365,7 +10117,7 @@
           <p:spPr>
             <a:xfrm>
               <a:off x="2408697" y="2176482"/>
-              <a:ext cx="3685986" cy="1569660"/>
+              <a:ext cx="3685986" cy="2662228"/>
             </a:xfrm>
             <a:prstGeom prst="rect">
               <a:avLst/>
@@ -10408,7 +10160,46 @@
               </a:r>
               <a:r>
                 <a:rPr lang="en-US" sz="1200" dirty="0"/>
-                <a:t>, S. G. (2022). 3D Flow Structures During Upwelling Events in Lakes of Moderate Size. Water Resources Research, 58(3), 1–20. https://doi.org/10.1029/2021WR030666</a:t>
+                <a:t>, S. G. (2022). 3D Flow Structures During Upwelling Events in Lakes of Moderate Size. Water Resources Research, 58(3), 1–20. </a:t>
+              </a:r>
+              <a:r>
+                <a:rPr lang="en-US" sz="1200" dirty="0">
+                  <a:hlinkClick r:id="rId2"/>
+                </a:rPr>
+                <a:t>https://doi.org/10.1029/2021WR030666</a:t>
+              </a:r>
+              <a:endParaRPr lang="en-US" sz="1200" dirty="0"/>
+            </a:p>
+            <a:p>
+              <a:pPr marL="171450" indent="-171450" algn="just">
+                <a:buFontTx/>
+                <a:buChar char="-"/>
+              </a:pPr>
+              <a:r>
+                <a:rPr lang="en-US" sz="1200" dirty="0" err="1"/>
+                <a:t>Zabaleta</a:t>
+              </a:r>
+              <a:r>
+                <a:rPr lang="en-US" sz="1200" dirty="0"/>
+                <a:t> F., Bombardelli, F. A. &amp; Valbuena, S. A. (2022). Preliminary Evaluation and Design of a New Energy Dissipation Stilling Basin via Numerical and Experimental Modeling in 9th IAHR International Symposium on Hydraulic Structures (9th ISHS). Proceedings of the 9th IAHR International Symposium on Hydraulic Structures – 9th ISHS, 24-27 October 2022, IIT Roorkee, Roorkee, India. Palermo, Ahmad, Crookston, and </a:t>
+              </a:r>
+              <a:r>
+                <a:rPr lang="en-US" sz="1200" dirty="0" err="1"/>
+                <a:t>Erpicum</a:t>
+              </a:r>
+              <a:r>
+                <a:rPr lang="en-US" sz="1200" dirty="0"/>
+                <a:t> Editors. Utah State University, Logan, Utah, USA, 10 pages (DOI: </a:t>
+              </a:r>
+              <a:r>
+                <a:rPr lang="en-US" sz="1200" dirty="0">
+                  <a:hlinkClick r:id="rId3"/>
+                </a:rPr>
+                <a:t>https://doi.org/10.26077/9fa5-ed46</a:t>
+              </a:r>
+              <a:r>
+                <a:rPr lang="en-US" sz="1200" dirty="0"/>
+                <a:t>) (ISBN 978-1-958416-07-5)</a:t>
               </a:r>
             </a:p>
             <a:p>
@@ -10591,6 +10382,50 @@
           </a:fontRef>
         </p:style>
       </p:cxnSp>
+      <p:cxnSp>
+        <p:nvCxnSpPr>
+          <p:cNvPr id="16" name="Conector recto 69">
+            <a:extLst>
+              <a:ext uri="{FF2B5EF4-FFF2-40B4-BE49-F238E27FC236}">
+                <a16:creationId xmlns:a16="http://schemas.microsoft.com/office/drawing/2014/main" id="{52DFF982-8E5F-4D07-A3E9-5A26FB974F08}"/>
+              </a:ext>
+            </a:extLst>
+          </p:cNvPr>
+          <p:cNvCxnSpPr>
+            <a:cxnSpLocks/>
+          </p:cNvCxnSpPr>
+          <p:nvPr/>
+        </p:nvCxnSpPr>
+        <p:spPr>
+          <a:xfrm>
+            <a:off x="243525" y="8731433"/>
+            <a:ext cx="6370950" cy="0"/>
+          </a:xfrm>
+          <a:prstGeom prst="line">
+            <a:avLst/>
+          </a:prstGeom>
+          <a:ln>
+            <a:solidFill>
+              <a:srgbClr val="3F656D"/>
+            </a:solidFill>
+          </a:ln>
+          <a:effectLst/>
+        </p:spPr>
+        <p:style>
+          <a:lnRef idx="1">
+            <a:schemeClr val="accent1"/>
+          </a:lnRef>
+          <a:fillRef idx="0">
+            <a:schemeClr val="accent1"/>
+          </a:fillRef>
+          <a:effectRef idx="0">
+            <a:schemeClr val="accent1"/>
+          </a:effectRef>
+          <a:fontRef idx="minor">
+            <a:schemeClr val="tx1"/>
+          </a:fontRef>
+        </p:style>
+      </p:cxnSp>
     </p:spTree>
     <p:extLst>
       <p:ext uri="{BB962C8B-B14F-4D97-AF65-F5344CB8AC3E}">
@@ -10635,7 +10470,7 @@
         </p:nvGrpSpPr>
         <p:grpSpPr>
           <a:xfrm>
-            <a:off x="394192" y="3754250"/>
+            <a:off x="394192" y="6239541"/>
             <a:ext cx="6069608" cy="2480023"/>
             <a:chOff x="2408697" y="1820117"/>
             <a:chExt cx="3685986" cy="2480023"/>
@@ -10865,7 +10700,7 @@
         </p:nvCxnSpPr>
         <p:spPr>
           <a:xfrm>
-            <a:off x="243525" y="3629919"/>
+            <a:off x="243525" y="6115210"/>
             <a:ext cx="6370950" cy="0"/>
           </a:xfrm>
           <a:prstGeom prst="line">
@@ -10907,7 +10742,7 @@
         </p:nvGrpSpPr>
         <p:grpSpPr>
           <a:xfrm>
-            <a:off x="394192" y="544011"/>
+            <a:off x="394192" y="3087917"/>
             <a:ext cx="6069608" cy="3053229"/>
             <a:chOff x="394192" y="3107167"/>
             <a:chExt cx="6069608" cy="3053229"/>
@@ -11168,6 +11003,254 @@
             <a:extLst>
               <a:ext uri="{FF2B5EF4-FFF2-40B4-BE49-F238E27FC236}">
                 <a16:creationId xmlns:a16="http://schemas.microsoft.com/office/drawing/2014/main" id="{C7FE80AD-B0CE-4636-9C43-1F0F18E69596}"/>
+              </a:ext>
+            </a:extLst>
+          </p:cNvPr>
+          <p:cNvCxnSpPr>
+            <a:cxnSpLocks/>
+          </p:cNvCxnSpPr>
+          <p:nvPr/>
+        </p:nvCxnSpPr>
+        <p:spPr>
+          <a:xfrm>
+            <a:off x="243525" y="2975309"/>
+            <a:ext cx="6370950" cy="0"/>
+          </a:xfrm>
+          <a:prstGeom prst="line">
+            <a:avLst/>
+          </a:prstGeom>
+          <a:ln>
+            <a:solidFill>
+              <a:srgbClr val="3F656D"/>
+            </a:solidFill>
+          </a:ln>
+          <a:effectLst/>
+        </p:spPr>
+        <p:style>
+          <a:lnRef idx="1">
+            <a:schemeClr val="accent1"/>
+          </a:lnRef>
+          <a:fillRef idx="0">
+            <a:schemeClr val="accent1"/>
+          </a:fillRef>
+          <a:effectRef idx="0">
+            <a:schemeClr val="accent1"/>
+          </a:effectRef>
+          <a:fontRef idx="minor">
+            <a:schemeClr val="tx1"/>
+          </a:fontRef>
+        </p:style>
+      </p:cxnSp>
+      <p:grpSp>
+        <p:nvGrpSpPr>
+          <p:cNvPr id="13" name="Group 12">
+            <a:extLst>
+              <a:ext uri="{FF2B5EF4-FFF2-40B4-BE49-F238E27FC236}">
+                <a16:creationId xmlns:a16="http://schemas.microsoft.com/office/drawing/2014/main" id="{22F678AE-72EC-41CA-B6C3-1D5547E4C155}"/>
+              </a:ext>
+            </a:extLst>
+          </p:cNvPr>
+          <p:cNvGrpSpPr/>
+          <p:nvPr/>
+        </p:nvGrpSpPr>
+        <p:grpSpPr>
+          <a:xfrm>
+            <a:off x="394192" y="526316"/>
+            <a:ext cx="6069608" cy="2499436"/>
+            <a:chOff x="394192" y="405183"/>
+            <a:chExt cx="6069608" cy="2499436"/>
+          </a:xfrm>
+        </p:grpSpPr>
+        <p:grpSp>
+          <p:nvGrpSpPr>
+            <p:cNvPr id="15" name="Group 14">
+              <a:extLst>
+                <a:ext uri="{FF2B5EF4-FFF2-40B4-BE49-F238E27FC236}">
+                  <a16:creationId xmlns:a16="http://schemas.microsoft.com/office/drawing/2014/main" id="{39E758D1-A64D-4F09-B8AE-56619AA826CD}"/>
+                </a:ext>
+              </a:extLst>
+            </p:cNvPr>
+            <p:cNvGrpSpPr/>
+            <p:nvPr/>
+          </p:nvGrpSpPr>
+          <p:grpSpPr>
+            <a:xfrm>
+              <a:off x="394192" y="405183"/>
+              <a:ext cx="6069608" cy="1372028"/>
+              <a:chOff x="2408697" y="1820117"/>
+              <a:chExt cx="3685986" cy="1372028"/>
+            </a:xfrm>
+          </p:grpSpPr>
+          <p:sp>
+            <p:nvSpPr>
+              <p:cNvPr id="18" name="CuadroTexto 6">
+                <a:extLst>
+                  <a:ext uri="{FF2B5EF4-FFF2-40B4-BE49-F238E27FC236}">
+                    <a16:creationId xmlns:a16="http://schemas.microsoft.com/office/drawing/2014/main" id="{170B11D4-1A90-4D38-AB2B-D7DBC5014B01}"/>
+                  </a:ext>
+                </a:extLst>
+              </p:cNvPr>
+              <p:cNvSpPr txBox="1"/>
+              <p:nvPr/>
+            </p:nvSpPr>
+            <p:spPr>
+              <a:xfrm>
+                <a:off x="2408697" y="2176482"/>
+                <a:ext cx="3685986" cy="1015663"/>
+              </a:xfrm>
+              <a:prstGeom prst="rect">
+                <a:avLst/>
+              </a:prstGeom>
+              <a:noFill/>
+            </p:spPr>
+            <p:txBody>
+              <a:bodyPr wrap="square" rtlCol="0">
+                <a:spAutoFit/>
+              </a:bodyPr>
+              <a:lstStyle/>
+              <a:p>
+                <a:pPr algn="just"/>
+                <a:r>
+                  <a:rPr lang="en-US" sz="1200" b="1" dirty="0">
+                    <a:latin typeface="Candara" panose="020E0502030303020204" pitchFamily="34" charset="0"/>
+                  </a:rPr>
+                  <a:t>Hydraulic Engineer</a:t>
+                </a:r>
+              </a:p>
+              <a:p>
+                <a:pPr algn="just"/>
+                <a:r>
+                  <a:rPr lang="en-US" sz="1200" i="1" dirty="0">
+                    <a:latin typeface="Candara" panose="020E0502030303020204" pitchFamily="34" charset="0"/>
+                  </a:rPr>
+                  <a:t>Assistant of M.Sc. Alejandro Duran. / Bogotá D.C, Colombia / Sept 2016 – Sept 2017  </a:t>
+                </a:r>
+              </a:p>
+              <a:p>
+                <a:pPr algn="just"/>
+                <a:r>
+                  <a:rPr lang="en-US" sz="1200" dirty="0">
+                    <a:latin typeface="Candara" panose="020E0502030303020204" pitchFamily="34" charset="0"/>
+                  </a:rPr>
+                  <a:t>Functions: perform and report hydrologic and hydraulic studies to more than 100 small lakes and wetlands in Cundinamarca, Colombia. Highway hydraulic design of two road sectors in Cundinamarca, Colombia.</a:t>
+                </a:r>
+              </a:p>
+            </p:txBody>
+          </p:sp>
+          <p:sp>
+            <p:nvSpPr>
+              <p:cNvPr id="19" name="CuadroTexto 51">
+                <a:extLst>
+                  <a:ext uri="{FF2B5EF4-FFF2-40B4-BE49-F238E27FC236}">
+                    <a16:creationId xmlns:a16="http://schemas.microsoft.com/office/drawing/2014/main" id="{2A9FA3F5-7A6F-4983-B8FE-B799C376511D}"/>
+                  </a:ext>
+                </a:extLst>
+              </p:cNvPr>
+              <p:cNvSpPr txBox="1"/>
+              <p:nvPr/>
+            </p:nvSpPr>
+            <p:spPr>
+              <a:xfrm>
+                <a:off x="2549165" y="1820117"/>
+                <a:ext cx="1162341" cy="307777"/>
+              </a:xfrm>
+              <a:prstGeom prst="rect">
+                <a:avLst/>
+              </a:prstGeom>
+              <a:noFill/>
+            </p:spPr>
+            <p:txBody>
+              <a:bodyPr wrap="square" rtlCol="0">
+                <a:spAutoFit/>
+              </a:bodyPr>
+              <a:lstStyle/>
+              <a:p>
+                <a:r>
+                  <a:rPr lang="es-CO" sz="1400" dirty="0">
+                    <a:solidFill>
+                      <a:schemeClr val="tx1">
+                        <a:lumMod val="75000"/>
+                        <a:lumOff val="25000"/>
+                      </a:schemeClr>
+                    </a:solidFill>
+                    <a:effectLst>
+                      <a:outerShdw blurRad="38100" dist="38100" dir="2700000" algn="tl">
+                        <a:srgbClr val="000000">
+                          <a:alpha val="43137"/>
+                        </a:srgbClr>
+                      </a:outerShdw>
+                    </a:effectLst>
+                    <a:latin typeface="Candara" panose="020E0502030303020204" pitchFamily="34" charset="0"/>
+                  </a:rPr>
+                  <a:t>WORK EXPERIENCE</a:t>
+                </a:r>
+              </a:p>
+            </p:txBody>
+          </p:sp>
+        </p:grpSp>
+        <p:sp>
+          <p:nvSpPr>
+            <p:cNvPr id="16" name="CuadroTexto 6">
+              <a:extLst>
+                <a:ext uri="{FF2B5EF4-FFF2-40B4-BE49-F238E27FC236}">
+                  <a16:creationId xmlns:a16="http://schemas.microsoft.com/office/drawing/2014/main" id="{44FA0215-9640-4745-86E6-F9511C691C0F}"/>
+                </a:ext>
+              </a:extLst>
+            </p:cNvPr>
+            <p:cNvSpPr txBox="1"/>
+            <p:nvPr/>
+          </p:nvSpPr>
+          <p:spPr>
+            <a:xfrm>
+              <a:off x="394192" y="1888956"/>
+              <a:ext cx="6069608" cy="1015663"/>
+            </a:xfrm>
+            <a:prstGeom prst="rect">
+              <a:avLst/>
+            </a:prstGeom>
+            <a:noFill/>
+          </p:spPr>
+          <p:txBody>
+            <a:bodyPr wrap="square" rtlCol="0">
+              <a:spAutoFit/>
+            </a:bodyPr>
+            <a:lstStyle/>
+            <a:p>
+              <a:pPr algn="just"/>
+              <a:r>
+                <a:rPr lang="en-US" sz="1200" b="1" dirty="0">
+                  <a:latin typeface="Candara" panose="020E0502030303020204" pitchFamily="34" charset="0"/>
+                </a:rPr>
+                <a:t>Project Engineer</a:t>
+              </a:r>
+            </a:p>
+            <a:p>
+              <a:pPr algn="just"/>
+              <a:r>
+                <a:rPr lang="en-US" sz="1200" i="1" dirty="0">
+                  <a:latin typeface="Candara" panose="020E0502030303020204" pitchFamily="34" charset="0"/>
+                </a:rPr>
+                <a:t>INNOVATECH STRATEGIC SOLUTIONS S.A.S – Based in Houston, Texas, USA / Office Bogotá D.C, Colombia / Jan 2016 – Sept 2016  </a:t>
+              </a:r>
+            </a:p>
+            <a:p>
+              <a:pPr algn="just"/>
+              <a:r>
+                <a:rPr lang="en-US" sz="1200" dirty="0">
+                  <a:latin typeface="Candara" panose="020E0502030303020204" pitchFamily="34" charset="0"/>
+                </a:rPr>
+                <a:t>Functions: professional support in the construction, plan monitoring strategy, budget structuring, preparation of reports, progress, and traceability of projects. </a:t>
+              </a:r>
+            </a:p>
+          </p:txBody>
+        </p:sp>
+      </p:grpSp>
+      <p:cxnSp>
+        <p:nvCxnSpPr>
+          <p:cNvPr id="20" name="Conector recto 69">
+            <a:extLst>
+              <a:ext uri="{FF2B5EF4-FFF2-40B4-BE49-F238E27FC236}">
+                <a16:creationId xmlns:a16="http://schemas.microsoft.com/office/drawing/2014/main" id="{42496EFA-8C9E-4667-803F-17FF2E6D3BB5}"/>
               </a:ext>
             </a:extLst>
           </p:cNvPr>
